--- a/virak.rna_mock_up.pptx
+++ b/virak.rna_mock_up.pptx
@@ -4,8 +4,17 @@
   <p:sldMasterIdLst>
     <p:sldMasterId id="2147483648" r:id="rId1"/>
   </p:sldMasterIdLst>
+  <p:notesMasterIdLst>
+    <p:notesMasterId r:id="rId9"/>
+  </p:notesMasterIdLst>
   <p:sldIdLst>
     <p:sldId id="256" r:id="rId2"/>
+    <p:sldId id="257" r:id="rId3"/>
+    <p:sldId id="258" r:id="rId4"/>
+    <p:sldId id="263" r:id="rId5"/>
+    <p:sldId id="260" r:id="rId6"/>
+    <p:sldId id="261" r:id="rId7"/>
+    <p:sldId id="262" r:id="rId8"/>
   </p:sldIdLst>
   <p:sldSz cx="12192000" cy="6858000"/>
   <p:notesSz cx="6858000" cy="9144000"/>
@@ -104,7 +113,530 @@
       </a:defRPr>
     </a:lvl9pPr>
   </p:defaultTextStyle>
+  <p:extLst>
+    <p:ext uri="{EFAFB233-063F-42B5-8137-9DF3F51BA10A}">
+      <p15:sldGuideLst xmlns:p15="http://schemas.microsoft.com/office/powerpoint/2012/main"/>
+    </p:ext>
+  </p:extLst>
 </p:presentation>
+</file>
+
+<file path=ppt/notesMasters/notesMaster1.xml><?xml version="1.0" encoding="utf-8"?>
+<p:notesMaster xmlns:a="http://schemas.openxmlformats.org/drawingml/2006/main" xmlns:r="http://schemas.openxmlformats.org/officeDocument/2006/relationships" xmlns:p="http://schemas.openxmlformats.org/presentationml/2006/main">
+  <p:cSld>
+    <p:bg>
+      <p:bgRef idx="1001">
+        <a:schemeClr val="bg1"/>
+      </p:bgRef>
+    </p:bg>
+    <p:spTree>
+      <p:nvGrpSpPr>
+        <p:cNvPr id="1" name=""/>
+        <p:cNvGrpSpPr/>
+        <p:nvPr/>
+      </p:nvGrpSpPr>
+      <p:grpSpPr>
+        <a:xfrm>
+          <a:off x="0" y="0"/>
+          <a:ext cx="0" cy="0"/>
+          <a:chOff x="0" y="0"/>
+          <a:chExt cx="0" cy="0"/>
+        </a:xfrm>
+      </p:grpSpPr>
+      <p:sp>
+        <p:nvSpPr>
+          <p:cNvPr id="2" name="Header Placeholder 1"/>
+          <p:cNvSpPr>
+            <a:spLocks noGrp="1"/>
+          </p:cNvSpPr>
+          <p:nvPr>
+            <p:ph type="hdr" sz="quarter"/>
+          </p:nvPr>
+        </p:nvSpPr>
+        <p:spPr>
+          <a:xfrm>
+            <a:off x="0" y="0"/>
+            <a:ext cx="2971800" cy="458788"/>
+          </a:xfrm>
+          <a:prstGeom prst="rect">
+            <a:avLst/>
+          </a:prstGeom>
+        </p:spPr>
+        <p:txBody>
+          <a:bodyPr vert="horz" lIns="91440" tIns="45720" rIns="91440" bIns="45720" rtlCol="0"/>
+          <a:lstStyle>
+            <a:lvl1pPr algn="l">
+              <a:defRPr sz="1200"/>
+            </a:lvl1pPr>
+          </a:lstStyle>
+          <a:p>
+            <a:endParaRPr lang="en-US"/>
+          </a:p>
+        </p:txBody>
+      </p:sp>
+      <p:sp>
+        <p:nvSpPr>
+          <p:cNvPr id="3" name="Date Placeholder 2"/>
+          <p:cNvSpPr>
+            <a:spLocks noGrp="1"/>
+          </p:cNvSpPr>
+          <p:nvPr>
+            <p:ph type="dt" idx="1"/>
+          </p:nvPr>
+        </p:nvSpPr>
+        <p:spPr>
+          <a:xfrm>
+            <a:off x="3884613" y="0"/>
+            <a:ext cx="2971800" cy="458788"/>
+          </a:xfrm>
+          <a:prstGeom prst="rect">
+            <a:avLst/>
+          </a:prstGeom>
+        </p:spPr>
+        <p:txBody>
+          <a:bodyPr vert="horz" lIns="91440" tIns="45720" rIns="91440" bIns="45720" rtlCol="0"/>
+          <a:lstStyle>
+            <a:lvl1pPr algn="r">
+              <a:defRPr sz="1200"/>
+            </a:lvl1pPr>
+          </a:lstStyle>
+          <a:p>
+            <a:fld id="{71ACA877-A712-413B-B42C-CAFF4B3AFEA2}" type="datetimeFigureOut">
+              <a:rPr lang="en-US" smtClean="0"/>
+              <a:t>12/29/2019</a:t>
+            </a:fld>
+            <a:endParaRPr lang="en-US"/>
+          </a:p>
+        </p:txBody>
+      </p:sp>
+      <p:sp>
+        <p:nvSpPr>
+          <p:cNvPr id="4" name="Slide Image Placeholder 3"/>
+          <p:cNvSpPr>
+            <a:spLocks noGrp="1" noRot="1" noChangeAspect="1"/>
+          </p:cNvSpPr>
+          <p:nvPr>
+            <p:ph type="sldImg" idx="2"/>
+          </p:nvPr>
+        </p:nvSpPr>
+        <p:spPr>
+          <a:xfrm>
+            <a:off x="685800" y="1143000"/>
+            <a:ext cx="5486400" cy="3086100"/>
+          </a:xfrm>
+          <a:prstGeom prst="rect">
+            <a:avLst/>
+          </a:prstGeom>
+          <a:noFill/>
+          <a:ln w="12700">
+            <a:solidFill>
+              <a:prstClr val="black"/>
+            </a:solidFill>
+          </a:ln>
+        </p:spPr>
+        <p:txBody>
+          <a:bodyPr vert="horz" lIns="91440" tIns="45720" rIns="91440" bIns="45720" rtlCol="0" anchor="ctr"/>
+          <a:lstStyle/>
+          <a:p>
+            <a:endParaRPr lang="en-US"/>
+          </a:p>
+        </p:txBody>
+      </p:sp>
+      <p:sp>
+        <p:nvSpPr>
+          <p:cNvPr id="5" name="Notes Placeholder 4"/>
+          <p:cNvSpPr>
+            <a:spLocks noGrp="1"/>
+          </p:cNvSpPr>
+          <p:nvPr>
+            <p:ph type="body" sz="quarter" idx="3"/>
+          </p:nvPr>
+        </p:nvSpPr>
+        <p:spPr>
+          <a:xfrm>
+            <a:off x="685800" y="4400550"/>
+            <a:ext cx="5486400" cy="3600450"/>
+          </a:xfrm>
+          <a:prstGeom prst="rect">
+            <a:avLst/>
+          </a:prstGeom>
+        </p:spPr>
+        <p:txBody>
+          <a:bodyPr vert="horz" lIns="91440" tIns="45720" rIns="91440" bIns="45720" rtlCol="0"/>
+          <a:lstStyle/>
+          <a:p>
+            <a:pPr lvl="0"/>
+            <a:r>
+              <a:rPr lang="en-US" smtClean="0"/>
+              <a:t>Edit Master text styles</a:t>
+            </a:r>
+          </a:p>
+          <a:p>
+            <a:pPr lvl="1"/>
+            <a:r>
+              <a:rPr lang="en-US" smtClean="0"/>
+              <a:t>Second level</a:t>
+            </a:r>
+          </a:p>
+          <a:p>
+            <a:pPr lvl="2"/>
+            <a:r>
+              <a:rPr lang="en-US" smtClean="0"/>
+              <a:t>Third level</a:t>
+            </a:r>
+          </a:p>
+          <a:p>
+            <a:pPr lvl="3"/>
+            <a:r>
+              <a:rPr lang="en-US" smtClean="0"/>
+              <a:t>Fourth level</a:t>
+            </a:r>
+          </a:p>
+          <a:p>
+            <a:pPr lvl="4"/>
+            <a:r>
+              <a:rPr lang="en-US" smtClean="0"/>
+              <a:t>Fifth level</a:t>
+            </a:r>
+            <a:endParaRPr lang="en-US"/>
+          </a:p>
+        </p:txBody>
+      </p:sp>
+      <p:sp>
+        <p:nvSpPr>
+          <p:cNvPr id="6" name="Footer Placeholder 5"/>
+          <p:cNvSpPr>
+            <a:spLocks noGrp="1"/>
+          </p:cNvSpPr>
+          <p:nvPr>
+            <p:ph type="ftr" sz="quarter" idx="4"/>
+          </p:nvPr>
+        </p:nvSpPr>
+        <p:spPr>
+          <a:xfrm>
+            <a:off x="0" y="8685213"/>
+            <a:ext cx="2971800" cy="458787"/>
+          </a:xfrm>
+          <a:prstGeom prst="rect">
+            <a:avLst/>
+          </a:prstGeom>
+        </p:spPr>
+        <p:txBody>
+          <a:bodyPr vert="horz" lIns="91440" tIns="45720" rIns="91440" bIns="45720" rtlCol="0" anchor="b"/>
+          <a:lstStyle>
+            <a:lvl1pPr algn="l">
+              <a:defRPr sz="1200"/>
+            </a:lvl1pPr>
+          </a:lstStyle>
+          <a:p>
+            <a:endParaRPr lang="en-US"/>
+          </a:p>
+        </p:txBody>
+      </p:sp>
+      <p:sp>
+        <p:nvSpPr>
+          <p:cNvPr id="7" name="Slide Number Placeholder 6"/>
+          <p:cNvSpPr>
+            <a:spLocks noGrp="1"/>
+          </p:cNvSpPr>
+          <p:nvPr>
+            <p:ph type="sldNum" sz="quarter" idx="5"/>
+          </p:nvPr>
+        </p:nvSpPr>
+        <p:spPr>
+          <a:xfrm>
+            <a:off x="3884613" y="8685213"/>
+            <a:ext cx="2971800" cy="458787"/>
+          </a:xfrm>
+          <a:prstGeom prst="rect">
+            <a:avLst/>
+          </a:prstGeom>
+        </p:spPr>
+        <p:txBody>
+          <a:bodyPr vert="horz" lIns="91440" tIns="45720" rIns="91440" bIns="45720" rtlCol="0" anchor="b"/>
+          <a:lstStyle>
+            <a:lvl1pPr algn="r">
+              <a:defRPr sz="1200"/>
+            </a:lvl1pPr>
+          </a:lstStyle>
+          <a:p>
+            <a:fld id="{6461C928-0C67-424F-822F-AF3803557F1F}" type="slidenum">
+              <a:rPr lang="en-US" smtClean="0"/>
+              <a:t>‹#›</a:t>
+            </a:fld>
+            <a:endParaRPr lang="en-US"/>
+          </a:p>
+        </p:txBody>
+      </p:sp>
+    </p:spTree>
+    <p:extLst>
+      <p:ext uri="{BB962C8B-B14F-4D97-AF65-F5344CB8AC3E}">
+        <p14:creationId xmlns:p14="http://schemas.microsoft.com/office/powerpoint/2010/main" val="2997547367"/>
+      </p:ext>
+    </p:extLst>
+  </p:cSld>
+  <p:clrMap bg1="lt1" tx1="dk1" bg2="lt2" tx2="dk2" accent1="accent1" accent2="accent2" accent3="accent3" accent4="accent4" accent5="accent5" accent6="accent6" hlink="hlink" folHlink="folHlink"/>
+  <p:notesStyle>
+    <a:lvl1pPr marL="0" algn="l" defTabSz="914400" rtl="0" eaLnBrk="1" latinLnBrk="0" hangingPunct="1">
+      <a:defRPr sz="1200" kern="1200">
+        <a:solidFill>
+          <a:schemeClr val="tx1"/>
+        </a:solidFill>
+        <a:latin typeface="+mn-lt"/>
+        <a:ea typeface="+mn-ea"/>
+        <a:cs typeface="+mn-cs"/>
+      </a:defRPr>
+    </a:lvl1pPr>
+    <a:lvl2pPr marL="457200" algn="l" defTabSz="914400" rtl="0" eaLnBrk="1" latinLnBrk="0" hangingPunct="1">
+      <a:defRPr sz="1200" kern="1200">
+        <a:solidFill>
+          <a:schemeClr val="tx1"/>
+        </a:solidFill>
+        <a:latin typeface="+mn-lt"/>
+        <a:ea typeface="+mn-ea"/>
+        <a:cs typeface="+mn-cs"/>
+      </a:defRPr>
+    </a:lvl2pPr>
+    <a:lvl3pPr marL="914400" algn="l" defTabSz="914400" rtl="0" eaLnBrk="1" latinLnBrk="0" hangingPunct="1">
+      <a:defRPr sz="1200" kern="1200">
+        <a:solidFill>
+          <a:schemeClr val="tx1"/>
+        </a:solidFill>
+        <a:latin typeface="+mn-lt"/>
+        <a:ea typeface="+mn-ea"/>
+        <a:cs typeface="+mn-cs"/>
+      </a:defRPr>
+    </a:lvl3pPr>
+    <a:lvl4pPr marL="1371600" algn="l" defTabSz="914400" rtl="0" eaLnBrk="1" latinLnBrk="0" hangingPunct="1">
+      <a:defRPr sz="1200" kern="1200">
+        <a:solidFill>
+          <a:schemeClr val="tx1"/>
+        </a:solidFill>
+        <a:latin typeface="+mn-lt"/>
+        <a:ea typeface="+mn-ea"/>
+        <a:cs typeface="+mn-cs"/>
+      </a:defRPr>
+    </a:lvl4pPr>
+    <a:lvl5pPr marL="1828800" algn="l" defTabSz="914400" rtl="0" eaLnBrk="1" latinLnBrk="0" hangingPunct="1">
+      <a:defRPr sz="1200" kern="1200">
+        <a:solidFill>
+          <a:schemeClr val="tx1"/>
+        </a:solidFill>
+        <a:latin typeface="+mn-lt"/>
+        <a:ea typeface="+mn-ea"/>
+        <a:cs typeface="+mn-cs"/>
+      </a:defRPr>
+    </a:lvl5pPr>
+    <a:lvl6pPr marL="2286000" algn="l" defTabSz="914400" rtl="0" eaLnBrk="1" latinLnBrk="0" hangingPunct="1">
+      <a:defRPr sz="1200" kern="1200">
+        <a:solidFill>
+          <a:schemeClr val="tx1"/>
+        </a:solidFill>
+        <a:latin typeface="+mn-lt"/>
+        <a:ea typeface="+mn-ea"/>
+        <a:cs typeface="+mn-cs"/>
+      </a:defRPr>
+    </a:lvl6pPr>
+    <a:lvl7pPr marL="2743200" algn="l" defTabSz="914400" rtl="0" eaLnBrk="1" latinLnBrk="0" hangingPunct="1">
+      <a:defRPr sz="1200" kern="1200">
+        <a:solidFill>
+          <a:schemeClr val="tx1"/>
+        </a:solidFill>
+        <a:latin typeface="+mn-lt"/>
+        <a:ea typeface="+mn-ea"/>
+        <a:cs typeface="+mn-cs"/>
+      </a:defRPr>
+    </a:lvl7pPr>
+    <a:lvl8pPr marL="3200400" algn="l" defTabSz="914400" rtl="0" eaLnBrk="1" latinLnBrk="0" hangingPunct="1">
+      <a:defRPr sz="1200" kern="1200">
+        <a:solidFill>
+          <a:schemeClr val="tx1"/>
+        </a:solidFill>
+        <a:latin typeface="+mn-lt"/>
+        <a:ea typeface="+mn-ea"/>
+        <a:cs typeface="+mn-cs"/>
+      </a:defRPr>
+    </a:lvl8pPr>
+    <a:lvl9pPr marL="3657600" algn="l" defTabSz="914400" rtl="0" eaLnBrk="1" latinLnBrk="0" hangingPunct="1">
+      <a:defRPr sz="1200" kern="1200">
+        <a:solidFill>
+          <a:schemeClr val="tx1"/>
+        </a:solidFill>
+        <a:latin typeface="+mn-lt"/>
+        <a:ea typeface="+mn-ea"/>
+        <a:cs typeface="+mn-cs"/>
+      </a:defRPr>
+    </a:lvl9pPr>
+  </p:notesStyle>
+</p:notesMaster>
+</file>
+
+<file path=ppt/notesSlides/notesSlide1.xml><?xml version="1.0" encoding="utf-8"?>
+<p:notes xmlns:a="http://schemas.openxmlformats.org/drawingml/2006/main" xmlns:r="http://schemas.openxmlformats.org/officeDocument/2006/relationships" xmlns:p="http://schemas.openxmlformats.org/presentationml/2006/main">
+  <p:cSld>
+    <p:spTree>
+      <p:nvGrpSpPr>
+        <p:cNvPr id="1" name=""/>
+        <p:cNvGrpSpPr/>
+        <p:nvPr/>
+      </p:nvGrpSpPr>
+      <p:grpSpPr>
+        <a:xfrm>
+          <a:off x="0" y="0"/>
+          <a:ext cx="0" cy="0"/>
+          <a:chOff x="0" y="0"/>
+          <a:chExt cx="0" cy="0"/>
+        </a:xfrm>
+      </p:grpSpPr>
+      <p:sp>
+        <p:nvSpPr>
+          <p:cNvPr id="2" name="Slide Image Placeholder 1"/>
+          <p:cNvSpPr>
+            <a:spLocks noGrp="1" noRot="1" noChangeAspect="1"/>
+          </p:cNvSpPr>
+          <p:nvPr>
+            <p:ph type="sldImg"/>
+          </p:nvPr>
+        </p:nvSpPr>
+        <p:spPr/>
+      </p:sp>
+      <p:sp>
+        <p:nvSpPr>
+          <p:cNvPr id="3" name="Notes Placeholder 2"/>
+          <p:cNvSpPr>
+            <a:spLocks noGrp="1"/>
+          </p:cNvSpPr>
+          <p:nvPr>
+            <p:ph type="body" idx="1"/>
+          </p:nvPr>
+        </p:nvSpPr>
+        <p:spPr/>
+        <p:txBody>
+          <a:bodyPr/>
+          <a:lstStyle/>
+          <a:p>
+            <a:endParaRPr lang="en-US" dirty="0"/>
+          </a:p>
+        </p:txBody>
+      </p:sp>
+      <p:sp>
+        <p:nvSpPr>
+          <p:cNvPr id="4" name="Slide Number Placeholder 3"/>
+          <p:cNvSpPr>
+            <a:spLocks noGrp="1"/>
+          </p:cNvSpPr>
+          <p:nvPr>
+            <p:ph type="sldNum" sz="quarter" idx="10"/>
+          </p:nvPr>
+        </p:nvSpPr>
+        <p:spPr/>
+        <p:txBody>
+          <a:bodyPr/>
+          <a:lstStyle/>
+          <a:p>
+            <a:fld id="{6461C928-0C67-424F-822F-AF3803557F1F}" type="slidenum">
+              <a:rPr lang="en-US" smtClean="0"/>
+              <a:t>3</a:t>
+            </a:fld>
+            <a:endParaRPr lang="en-US"/>
+          </a:p>
+        </p:txBody>
+      </p:sp>
+    </p:spTree>
+    <p:extLst>
+      <p:ext uri="{BB962C8B-B14F-4D97-AF65-F5344CB8AC3E}">
+        <p14:creationId xmlns:p14="http://schemas.microsoft.com/office/powerpoint/2010/main" val="1829164507"/>
+      </p:ext>
+    </p:extLst>
+  </p:cSld>
+  <p:clrMapOvr>
+    <a:masterClrMapping/>
+  </p:clrMapOvr>
+</p:notes>
+</file>
+
+<file path=ppt/notesSlides/notesSlide2.xml><?xml version="1.0" encoding="utf-8"?>
+<p:notes xmlns:a="http://schemas.openxmlformats.org/drawingml/2006/main" xmlns:r="http://schemas.openxmlformats.org/officeDocument/2006/relationships" xmlns:p="http://schemas.openxmlformats.org/presentationml/2006/main">
+  <p:cSld>
+    <p:spTree>
+      <p:nvGrpSpPr>
+        <p:cNvPr id="1" name=""/>
+        <p:cNvGrpSpPr/>
+        <p:nvPr/>
+      </p:nvGrpSpPr>
+      <p:grpSpPr>
+        <a:xfrm>
+          <a:off x="0" y="0"/>
+          <a:ext cx="0" cy="0"/>
+          <a:chOff x="0" y="0"/>
+          <a:chExt cx="0" cy="0"/>
+        </a:xfrm>
+      </p:grpSpPr>
+      <p:sp>
+        <p:nvSpPr>
+          <p:cNvPr id="2" name="Slide Image Placeholder 1"/>
+          <p:cNvSpPr>
+            <a:spLocks noGrp="1" noRot="1" noChangeAspect="1"/>
+          </p:cNvSpPr>
+          <p:nvPr>
+            <p:ph type="sldImg"/>
+          </p:nvPr>
+        </p:nvSpPr>
+        <p:spPr/>
+      </p:sp>
+      <p:sp>
+        <p:nvSpPr>
+          <p:cNvPr id="3" name="Notes Placeholder 2"/>
+          <p:cNvSpPr>
+            <a:spLocks noGrp="1"/>
+          </p:cNvSpPr>
+          <p:nvPr>
+            <p:ph type="body" idx="1"/>
+          </p:nvPr>
+        </p:nvSpPr>
+        <p:spPr/>
+        <p:txBody>
+          <a:bodyPr/>
+          <a:lstStyle/>
+          <a:p>
+            <a:endParaRPr lang="en-US" dirty="0"/>
+          </a:p>
+        </p:txBody>
+      </p:sp>
+      <p:sp>
+        <p:nvSpPr>
+          <p:cNvPr id="4" name="Slide Number Placeholder 3"/>
+          <p:cNvSpPr>
+            <a:spLocks noGrp="1"/>
+          </p:cNvSpPr>
+          <p:nvPr>
+            <p:ph type="sldNum" sz="quarter" idx="10"/>
+          </p:nvPr>
+        </p:nvSpPr>
+        <p:spPr/>
+        <p:txBody>
+          <a:bodyPr/>
+          <a:lstStyle/>
+          <a:p>
+            <a:fld id="{6461C928-0C67-424F-822F-AF3803557F1F}" type="slidenum">
+              <a:rPr lang="en-US" smtClean="0"/>
+              <a:t>4</a:t>
+            </a:fld>
+            <a:endParaRPr lang="en-US"/>
+          </a:p>
+        </p:txBody>
+      </p:sp>
+    </p:spTree>
+    <p:extLst>
+      <p:ext uri="{BB962C8B-B14F-4D97-AF65-F5344CB8AC3E}">
+        <p14:creationId xmlns:p14="http://schemas.microsoft.com/office/powerpoint/2010/main" val="2101976373"/>
+      </p:ext>
+    </p:extLst>
+  </p:cSld>
+  <p:clrMapOvr>
+    <a:masterClrMapping/>
+  </p:clrMapOvr>
+</p:notes>
 </file>
 
 <file path=ppt/slideLayouts/slideLayout1.xml><?xml version="1.0" encoding="utf-8"?>
@@ -238,7 +770,7 @@
           <a:p>
             <a:fld id="{3673C3FE-D5D8-4CA1-8E56-A4F00C2CF928}" type="datetimeFigureOut">
               <a:rPr lang="en-US" smtClean="0"/>
-              <a:t>12/27/2019</a:t>
+              <a:t>12/29/2019</a:t>
             </a:fld>
             <a:endParaRPr lang="en-US"/>
           </a:p>
@@ -408,7 +940,7 @@
           <a:p>
             <a:fld id="{3673C3FE-D5D8-4CA1-8E56-A4F00C2CF928}" type="datetimeFigureOut">
               <a:rPr lang="en-US" smtClean="0"/>
-              <a:t>12/27/2019</a:t>
+              <a:t>12/29/2019</a:t>
             </a:fld>
             <a:endParaRPr lang="en-US"/>
           </a:p>
@@ -588,7 +1120,7 @@
           <a:p>
             <a:fld id="{3673C3FE-D5D8-4CA1-8E56-A4F00C2CF928}" type="datetimeFigureOut">
               <a:rPr lang="en-US" smtClean="0"/>
-              <a:t>12/27/2019</a:t>
+              <a:t>12/29/2019</a:t>
             </a:fld>
             <a:endParaRPr lang="en-US"/>
           </a:p>
@@ -758,7 +1290,7 @@
           <a:p>
             <a:fld id="{3673C3FE-D5D8-4CA1-8E56-A4F00C2CF928}" type="datetimeFigureOut">
               <a:rPr lang="en-US" smtClean="0"/>
-              <a:t>12/27/2019</a:t>
+              <a:t>12/29/2019</a:t>
             </a:fld>
             <a:endParaRPr lang="en-US"/>
           </a:p>
@@ -1004,7 +1536,7 @@
           <a:p>
             <a:fld id="{3673C3FE-D5D8-4CA1-8E56-A4F00C2CF928}" type="datetimeFigureOut">
               <a:rPr lang="en-US" smtClean="0"/>
-              <a:t>12/27/2019</a:t>
+              <a:t>12/29/2019</a:t>
             </a:fld>
             <a:endParaRPr lang="en-US"/>
           </a:p>
@@ -1236,7 +1768,7 @@
           <a:p>
             <a:fld id="{3673C3FE-D5D8-4CA1-8E56-A4F00C2CF928}" type="datetimeFigureOut">
               <a:rPr lang="en-US" smtClean="0"/>
-              <a:t>12/27/2019</a:t>
+              <a:t>12/29/2019</a:t>
             </a:fld>
             <a:endParaRPr lang="en-US"/>
           </a:p>
@@ -1603,7 +2135,7 @@
           <a:p>
             <a:fld id="{3673C3FE-D5D8-4CA1-8E56-A4F00C2CF928}" type="datetimeFigureOut">
               <a:rPr lang="en-US" smtClean="0"/>
-              <a:t>12/27/2019</a:t>
+              <a:t>12/29/2019</a:t>
             </a:fld>
             <a:endParaRPr lang="en-US"/>
           </a:p>
@@ -1721,7 +2253,7 @@
           <a:p>
             <a:fld id="{3673C3FE-D5D8-4CA1-8E56-A4F00C2CF928}" type="datetimeFigureOut">
               <a:rPr lang="en-US" smtClean="0"/>
-              <a:t>12/27/2019</a:t>
+              <a:t>12/29/2019</a:t>
             </a:fld>
             <a:endParaRPr lang="en-US"/>
           </a:p>
@@ -1816,7 +2348,7 @@
           <a:p>
             <a:fld id="{3673C3FE-D5D8-4CA1-8E56-A4F00C2CF928}" type="datetimeFigureOut">
               <a:rPr lang="en-US" smtClean="0"/>
-              <a:t>12/27/2019</a:t>
+              <a:t>12/29/2019</a:t>
             </a:fld>
             <a:endParaRPr lang="en-US"/>
           </a:p>
@@ -2093,7 +2625,7 @@
           <a:p>
             <a:fld id="{3673C3FE-D5D8-4CA1-8E56-A4F00C2CF928}" type="datetimeFigureOut">
               <a:rPr lang="en-US" smtClean="0"/>
-              <a:t>12/27/2019</a:t>
+              <a:t>12/29/2019</a:t>
             </a:fld>
             <a:endParaRPr lang="en-US"/>
           </a:p>
@@ -2346,7 +2878,7 @@
           <a:p>
             <a:fld id="{3673C3FE-D5D8-4CA1-8E56-A4F00C2CF928}" type="datetimeFigureOut">
               <a:rPr lang="en-US" smtClean="0"/>
-              <a:t>12/27/2019</a:t>
+              <a:t>12/29/2019</a:t>
             </a:fld>
             <a:endParaRPr lang="en-US"/>
           </a:p>
@@ -2559,7 +3091,7 @@
           <a:p>
             <a:fld id="{3673C3FE-D5D8-4CA1-8E56-A4F00C2CF928}" type="datetimeFigureOut">
               <a:rPr lang="en-US" smtClean="0"/>
-              <a:t>12/27/2019</a:t>
+              <a:t>12/29/2019</a:t>
             </a:fld>
             <a:endParaRPr lang="en-US"/>
           </a:p>
@@ -2964,9 +3496,39 @@
           <a:chExt cx="0" cy="0"/>
         </a:xfrm>
       </p:grpSpPr>
+      <p:sp>
+        <p:nvSpPr>
+          <p:cNvPr id="13" name="TextBox 12"/>
+          <p:cNvSpPr txBox="1"/>
+          <p:nvPr/>
+        </p:nvSpPr>
+        <p:spPr>
+          <a:xfrm>
+            <a:off x="9379527" y="2923304"/>
+            <a:ext cx="2466110" cy="646331"/>
+          </a:xfrm>
+          <a:prstGeom prst="rect">
+            <a:avLst/>
+          </a:prstGeom>
+          <a:noFill/>
+        </p:spPr>
+        <p:txBody>
+          <a:bodyPr wrap="square" rtlCol="0">
+            <a:spAutoFit/>
+          </a:bodyPr>
+          <a:lstStyle/>
+          <a:p>
+            <a:r>
+              <a:rPr lang="en-US" dirty="0" smtClean="0"/>
+              <a:t>When user start system first.</a:t>
+            </a:r>
+            <a:endParaRPr lang="en-US" dirty="0"/>
+          </a:p>
+        </p:txBody>
+      </p:sp>
       <p:pic>
         <p:nvPicPr>
-          <p:cNvPr id="4" name="Picture 3"/>
+          <p:cNvPr id="2" name="Picture 1"/>
           <p:cNvPicPr>
             <a:picLocks noChangeAspect="1"/>
           </p:cNvPicPr>
@@ -2986,29 +3548,563 @@
         </p:blipFill>
         <p:spPr>
           <a:xfrm>
-            <a:off x="95184" y="457201"/>
-            <a:ext cx="8432668" cy="5638800"/>
+            <a:off x="142602" y="406260"/>
+            <a:ext cx="9236925" cy="6087036"/>
           </a:xfrm>
           <a:prstGeom prst="rect">
             <a:avLst/>
           </a:prstGeom>
         </p:spPr>
       </p:pic>
+    </p:spTree>
+    <p:extLst>
+      <p:ext uri="{BB962C8B-B14F-4D97-AF65-F5344CB8AC3E}">
+        <p14:creationId xmlns:p14="http://schemas.microsoft.com/office/powerpoint/2010/main" val="3705910491"/>
+      </p:ext>
+    </p:extLst>
+  </p:cSld>
+  <p:clrMapOvr>
+    <a:masterClrMapping/>
+  </p:clrMapOvr>
+  <p:timing>
+    <p:tnLst>
+      <p:par>
+        <p:cTn id="1" dur="indefinite" restart="never" nodeType="tmRoot"/>
+      </p:par>
+    </p:tnLst>
+  </p:timing>
+</p:sld>
+</file>
+
+<file path=ppt/slides/slide2.xml><?xml version="1.0" encoding="utf-8"?>
+<p:sld xmlns:a="http://schemas.openxmlformats.org/drawingml/2006/main" xmlns:r="http://schemas.openxmlformats.org/officeDocument/2006/relationships" xmlns:p="http://schemas.openxmlformats.org/presentationml/2006/main">
+  <p:cSld>
+    <p:spTree>
+      <p:nvGrpSpPr>
+        <p:cNvPr id="1" name=""/>
+        <p:cNvGrpSpPr/>
+        <p:nvPr/>
+      </p:nvGrpSpPr>
+      <p:grpSpPr>
+        <a:xfrm>
+          <a:off x="0" y="0"/>
+          <a:ext cx="0" cy="0"/>
+          <a:chOff x="0" y="0"/>
+          <a:chExt cx="0" cy="0"/>
+        </a:xfrm>
+      </p:grpSpPr>
+      <p:pic>
+        <p:nvPicPr>
+          <p:cNvPr id="3" name="Picture 2"/>
+          <p:cNvPicPr>
+            <a:picLocks noChangeAspect="1"/>
+          </p:cNvPicPr>
+          <p:nvPr/>
+        </p:nvPicPr>
+        <p:blipFill>
+          <a:blip r:embed="rId2">
+            <a:extLst>
+              <a:ext uri="{28A0092B-C50C-407E-A947-70E740481C1C}">
+                <a14:useLocalDpi xmlns:a14="http://schemas.microsoft.com/office/drawing/2010/main" val="0"/>
+              </a:ext>
+            </a:extLst>
+          </a:blip>
+          <a:stretch>
+            <a:fillRect/>
+          </a:stretch>
+        </p:blipFill>
+        <p:spPr>
+          <a:xfrm>
+            <a:off x="149987" y="563413"/>
+            <a:ext cx="8772340" cy="5796126"/>
+          </a:xfrm>
+          <a:prstGeom prst="rect">
+            <a:avLst/>
+          </a:prstGeom>
+        </p:spPr>
+      </p:pic>
+      <p:sp>
+        <p:nvSpPr>
+          <p:cNvPr id="4" name="Rectangular Callout 3"/>
+          <p:cNvSpPr/>
+          <p:nvPr/>
+        </p:nvSpPr>
+        <p:spPr>
+          <a:xfrm>
+            <a:off x="9310255" y="1972112"/>
+            <a:ext cx="2743200" cy="2978728"/>
+          </a:xfrm>
+          <a:prstGeom prst="wedgeRectCallout">
+            <a:avLst>
+              <a:gd name="adj1" fmla="val -174873"/>
+              <a:gd name="adj2" fmla="val 24518"/>
+            </a:avLst>
+          </a:prstGeom>
+          <a:solidFill>
+            <a:schemeClr val="bg1"/>
+          </a:solidFill>
+        </p:spPr>
+        <p:style>
+          <a:lnRef idx="2">
+            <a:schemeClr val="accent1">
+              <a:shade val="50000"/>
+            </a:schemeClr>
+          </a:lnRef>
+          <a:fillRef idx="1">
+            <a:schemeClr val="accent1"/>
+          </a:fillRef>
+          <a:effectRef idx="0">
+            <a:schemeClr val="accent1"/>
+          </a:effectRef>
+          <a:fontRef idx="minor">
+            <a:schemeClr val="lt1"/>
+          </a:fontRef>
+        </p:style>
+        <p:txBody>
+          <a:bodyPr rtlCol="0" anchor="ctr"/>
+          <a:lstStyle/>
+          <a:p>
+            <a:pPr marL="342900" indent="-342900">
+              <a:buAutoNum type="arabicPeriod"/>
+            </a:pPr>
+            <a:r>
+              <a:rPr lang="en-US" dirty="0">
+                <a:solidFill>
+                  <a:schemeClr val="tx1"/>
+                </a:solidFill>
+              </a:rPr>
+              <a:t>Click on GET BUS It display popup </a:t>
+            </a:r>
+          </a:p>
+          <a:p>
+            <a:pPr marL="342900" indent="-342900">
+              <a:buAutoNum type="arabicPeriod"/>
+            </a:pPr>
+            <a:r>
+              <a:rPr lang="en-US" dirty="0">
+                <a:solidFill>
+                  <a:schemeClr val="tx1"/>
+                </a:solidFill>
+              </a:rPr>
+              <a:t>User can fill information in form.</a:t>
+            </a:r>
+          </a:p>
+          <a:p>
+            <a:pPr marL="342900" indent="-342900">
+              <a:buAutoNum type="arabicPeriod"/>
+            </a:pPr>
+            <a:r>
+              <a:rPr lang="en-US" dirty="0">
+                <a:solidFill>
+                  <a:schemeClr val="tx1"/>
+                </a:solidFill>
+              </a:rPr>
+              <a:t>If user don’t check return, so input return will disable to fill date of return.</a:t>
+            </a:r>
+            <a:endParaRPr lang="en-US" dirty="0">
+              <a:solidFill>
+                <a:schemeClr val="tx1"/>
+              </a:solidFill>
+            </a:endParaRPr>
+          </a:p>
+        </p:txBody>
+      </p:sp>
+    </p:spTree>
+    <p:extLst>
+      <p:ext uri="{BB962C8B-B14F-4D97-AF65-F5344CB8AC3E}">
+        <p14:creationId xmlns:p14="http://schemas.microsoft.com/office/powerpoint/2010/main" val="789204905"/>
+      </p:ext>
+    </p:extLst>
+  </p:cSld>
+  <p:clrMapOvr>
+    <a:masterClrMapping/>
+  </p:clrMapOvr>
+  <p:timing>
+    <p:tnLst>
+      <p:par>
+        <p:cTn id="1" dur="indefinite" restart="never" nodeType="tmRoot"/>
+      </p:par>
+    </p:tnLst>
+  </p:timing>
+</p:sld>
+</file>
+
+<file path=ppt/slides/slide3.xml><?xml version="1.0" encoding="utf-8"?>
+<p:sld xmlns:a="http://schemas.openxmlformats.org/drawingml/2006/main" xmlns:r="http://schemas.openxmlformats.org/officeDocument/2006/relationships" xmlns:p="http://schemas.openxmlformats.org/presentationml/2006/main">
+  <p:cSld>
+    <p:spTree>
+      <p:nvGrpSpPr>
+        <p:cNvPr id="1" name=""/>
+        <p:cNvGrpSpPr/>
+        <p:nvPr/>
+      </p:nvGrpSpPr>
+      <p:grpSpPr>
+        <a:xfrm>
+          <a:off x="0" y="0"/>
+          <a:ext cx="0" cy="0"/>
+          <a:chOff x="0" y="0"/>
+          <a:chExt cx="0" cy="0"/>
+        </a:xfrm>
+      </p:grpSpPr>
+      <p:sp>
+        <p:nvSpPr>
+          <p:cNvPr id="13" name="TextBox 12"/>
+          <p:cNvSpPr txBox="1"/>
+          <p:nvPr/>
+        </p:nvSpPr>
+        <p:spPr>
+          <a:xfrm>
+            <a:off x="8922327" y="2923304"/>
+            <a:ext cx="2923310" cy="369332"/>
+          </a:xfrm>
+          <a:prstGeom prst="rect">
+            <a:avLst/>
+          </a:prstGeom>
+          <a:noFill/>
+        </p:spPr>
+        <p:txBody>
+          <a:bodyPr wrap="square" rtlCol="0">
+            <a:spAutoFit/>
+          </a:bodyPr>
+          <a:lstStyle/>
+          <a:p>
+            <a:r>
+              <a:rPr lang="en-US" dirty="0" smtClean="0"/>
+              <a:t>.</a:t>
+            </a:r>
+            <a:endParaRPr lang="en-US" dirty="0"/>
+          </a:p>
+        </p:txBody>
+      </p:sp>
+      <p:pic>
+        <p:nvPicPr>
+          <p:cNvPr id="2" name="Picture 1"/>
+          <p:cNvPicPr>
+            <a:picLocks noChangeAspect="1"/>
+          </p:cNvPicPr>
+          <p:nvPr/>
+        </p:nvPicPr>
+        <p:blipFill>
+          <a:blip r:embed="rId3">
+            <a:extLst>
+              <a:ext uri="{28A0092B-C50C-407E-A947-70E740481C1C}">
+                <a14:useLocalDpi xmlns:a14="http://schemas.microsoft.com/office/drawing/2010/main" val="0"/>
+              </a:ext>
+            </a:extLst>
+          </a:blip>
+          <a:stretch>
+            <a:fillRect/>
+          </a:stretch>
+        </p:blipFill>
+        <p:spPr>
+          <a:xfrm>
+            <a:off x="2334696" y="298027"/>
+            <a:ext cx="8868524" cy="5989218"/>
+          </a:xfrm>
+          <a:prstGeom prst="rect">
+            <a:avLst/>
+          </a:prstGeom>
+        </p:spPr>
+      </p:pic>
+      <p:sp>
+        <p:nvSpPr>
+          <p:cNvPr id="5" name="Rectangular Callout 4"/>
+          <p:cNvSpPr/>
+          <p:nvPr/>
+        </p:nvSpPr>
+        <p:spPr>
+          <a:xfrm>
+            <a:off x="0" y="5012622"/>
+            <a:ext cx="2161309" cy="1122218"/>
+          </a:xfrm>
+          <a:prstGeom prst="wedgeRectCallout">
+            <a:avLst>
+              <a:gd name="adj1" fmla="val 129011"/>
+              <a:gd name="adj2" fmla="val -44038"/>
+            </a:avLst>
+          </a:prstGeom>
+          <a:solidFill>
+            <a:schemeClr val="bg1"/>
+          </a:solidFill>
+        </p:spPr>
+        <p:style>
+          <a:lnRef idx="2">
+            <a:schemeClr val="accent1">
+              <a:shade val="50000"/>
+            </a:schemeClr>
+          </a:lnRef>
+          <a:fillRef idx="1">
+            <a:schemeClr val="accent1"/>
+          </a:fillRef>
+          <a:effectRef idx="0">
+            <a:schemeClr val="accent1"/>
+          </a:effectRef>
+          <a:fontRef idx="minor">
+            <a:schemeClr val="lt1"/>
+          </a:fontRef>
+        </p:style>
+        <p:txBody>
+          <a:bodyPr rtlCol="0" anchor="ctr"/>
+          <a:lstStyle/>
+          <a:p>
+            <a:pPr algn="ctr"/>
+            <a:r>
+              <a:rPr lang="en-US" dirty="0" smtClean="0">
+                <a:solidFill>
+                  <a:schemeClr val="tx1"/>
+                </a:solidFill>
+              </a:rPr>
+              <a:t>User can </a:t>
+            </a:r>
+          </a:p>
+          <a:p>
+            <a:pPr marL="342900" indent="-342900" algn="ctr">
+              <a:buAutoNum type="arabicPeriod"/>
+            </a:pPr>
+            <a:r>
+              <a:rPr lang="en-US" dirty="0" smtClean="0">
+                <a:solidFill>
+                  <a:schemeClr val="tx1"/>
+                </a:solidFill>
+              </a:rPr>
+              <a:t>Edit</a:t>
+            </a:r>
+          </a:p>
+          <a:p>
+            <a:pPr marL="342900" indent="-342900" algn="ctr">
+              <a:buAutoNum type="arabicPeriod"/>
+            </a:pPr>
+            <a:r>
+              <a:rPr lang="en-US" dirty="0" smtClean="0">
+                <a:solidFill>
+                  <a:schemeClr val="tx1"/>
+                </a:solidFill>
+              </a:rPr>
+              <a:t>Delete</a:t>
+            </a:r>
+            <a:endParaRPr lang="en-US" dirty="0">
+              <a:solidFill>
+                <a:schemeClr val="tx1"/>
+              </a:solidFill>
+            </a:endParaRPr>
+          </a:p>
+        </p:txBody>
+      </p:sp>
+      <p:sp>
+        <p:nvSpPr>
+          <p:cNvPr id="7" name="Rectangular Callout 6"/>
+          <p:cNvSpPr/>
+          <p:nvPr/>
+        </p:nvSpPr>
+        <p:spPr>
+          <a:xfrm>
+            <a:off x="0" y="2172599"/>
+            <a:ext cx="2161309" cy="1457292"/>
+          </a:xfrm>
+          <a:prstGeom prst="wedgeRectCallout">
+            <a:avLst>
+              <a:gd name="adj1" fmla="val 212766"/>
+              <a:gd name="adj2" fmla="val -39101"/>
+            </a:avLst>
+          </a:prstGeom>
+          <a:solidFill>
+            <a:schemeClr val="bg1"/>
+          </a:solidFill>
+        </p:spPr>
+        <p:style>
+          <a:lnRef idx="2">
+            <a:schemeClr val="accent1">
+              <a:shade val="50000"/>
+            </a:schemeClr>
+          </a:lnRef>
+          <a:fillRef idx="1">
+            <a:schemeClr val="accent1"/>
+          </a:fillRef>
+          <a:effectRef idx="0">
+            <a:schemeClr val="accent1"/>
+          </a:effectRef>
+          <a:fontRef idx="minor">
+            <a:schemeClr val="lt1"/>
+          </a:fontRef>
+        </p:style>
+        <p:txBody>
+          <a:bodyPr rtlCol="0" anchor="ctr"/>
+          <a:lstStyle/>
+          <a:p>
+            <a:pPr algn="just"/>
+            <a:r>
+              <a:rPr lang="en-US" dirty="0" smtClean="0">
+                <a:solidFill>
+                  <a:schemeClr val="tx1"/>
+                </a:solidFill>
+              </a:rPr>
+              <a:t>This tab, It only display departure ticket and not available to display with return ticket </a:t>
+            </a:r>
+          </a:p>
+        </p:txBody>
+      </p:sp>
+      <p:sp>
+        <p:nvSpPr>
+          <p:cNvPr id="8" name="Rectangular Callout 7"/>
+          <p:cNvSpPr/>
+          <p:nvPr/>
+        </p:nvSpPr>
+        <p:spPr>
+          <a:xfrm>
+            <a:off x="10446327" y="2731527"/>
+            <a:ext cx="1634837" cy="898364"/>
+          </a:xfrm>
+          <a:prstGeom prst="wedgeRectCallout">
+            <a:avLst>
+              <a:gd name="adj1" fmla="val -58413"/>
+              <a:gd name="adj2" fmla="val -21029"/>
+            </a:avLst>
+          </a:prstGeom>
+          <a:solidFill>
+            <a:schemeClr val="bg1"/>
+          </a:solidFill>
+        </p:spPr>
+        <p:style>
+          <a:lnRef idx="2">
+            <a:schemeClr val="accent1">
+              <a:shade val="50000"/>
+            </a:schemeClr>
+          </a:lnRef>
+          <a:fillRef idx="1">
+            <a:schemeClr val="accent1"/>
+          </a:fillRef>
+          <a:effectRef idx="0">
+            <a:schemeClr val="accent1"/>
+          </a:effectRef>
+          <a:fontRef idx="minor">
+            <a:schemeClr val="lt1"/>
+          </a:fontRef>
+        </p:style>
+        <p:txBody>
+          <a:bodyPr rtlCol="0" anchor="ctr"/>
+          <a:lstStyle/>
+          <a:p>
+            <a:pPr algn="just"/>
+            <a:r>
+              <a:rPr lang="en-US" sz="1400" dirty="0" smtClean="0">
+                <a:solidFill>
+                  <a:schemeClr val="tx1"/>
+                </a:solidFill>
+              </a:rPr>
+              <a:t>User can choose for the price.</a:t>
+            </a:r>
+          </a:p>
+        </p:txBody>
+      </p:sp>
+      <p:sp>
+        <p:nvSpPr>
+          <p:cNvPr id="6" name="Rectangular Callout 5"/>
+          <p:cNvSpPr/>
+          <p:nvPr/>
+        </p:nvSpPr>
+        <p:spPr>
+          <a:xfrm>
+            <a:off x="7218218" y="298027"/>
+            <a:ext cx="4973782" cy="1378373"/>
+          </a:xfrm>
+          <a:prstGeom prst="wedgeRectCallout">
+            <a:avLst>
+              <a:gd name="adj1" fmla="val 6848"/>
+              <a:gd name="adj2" fmla="val 128213"/>
+            </a:avLst>
+          </a:prstGeom>
+          <a:solidFill>
+            <a:schemeClr val="bg1"/>
+          </a:solidFill>
+        </p:spPr>
+        <p:style>
+          <a:lnRef idx="2">
+            <a:schemeClr val="accent1">
+              <a:shade val="50000"/>
+            </a:schemeClr>
+          </a:lnRef>
+          <a:fillRef idx="1">
+            <a:schemeClr val="accent1"/>
+          </a:fillRef>
+          <a:effectRef idx="0">
+            <a:schemeClr val="accent1"/>
+          </a:effectRef>
+          <a:fontRef idx="minor">
+            <a:schemeClr val="lt1"/>
+          </a:fontRef>
+        </p:style>
+        <p:txBody>
+          <a:bodyPr rtlCol="0" anchor="ctr"/>
+          <a:lstStyle/>
+          <a:p>
+            <a:pPr algn="ctr"/>
+            <a:r>
+              <a:rPr lang="en-US" dirty="0" smtClean="0">
+                <a:solidFill>
+                  <a:schemeClr val="tx1"/>
+                </a:solidFill>
+              </a:rPr>
+              <a:t>The system will be calculate the price follow </a:t>
+            </a:r>
+            <a:r>
+              <a:rPr lang="en-US" dirty="0">
+                <a:solidFill>
+                  <a:schemeClr val="tx1"/>
+                </a:solidFill>
+              </a:rPr>
+              <a:t> </a:t>
+            </a:r>
+            <a:r>
+              <a:rPr lang="en-US" dirty="0" smtClean="0">
+                <a:solidFill>
+                  <a:schemeClr val="tx1"/>
+                </a:solidFill>
+              </a:rPr>
+              <a:t> number of people. For example, from </a:t>
+            </a:r>
+            <a:r>
+              <a:rPr lang="en-US" dirty="0">
+                <a:solidFill>
+                  <a:schemeClr val="tx1"/>
+                </a:solidFill>
+              </a:rPr>
+              <a:t>P</a:t>
+            </a:r>
+            <a:r>
+              <a:rPr lang="en-US" dirty="0" smtClean="0">
+                <a:solidFill>
+                  <a:schemeClr val="tx1"/>
+                </a:solidFill>
+              </a:rPr>
+              <a:t>hnom Penh to  Sianoukville one of people 15$, but this ticket has two people so, I will increase to 30$ for two people</a:t>
+            </a:r>
+            <a:endParaRPr lang="en-US" dirty="0">
+              <a:solidFill>
+                <a:schemeClr val="tx1"/>
+              </a:solidFill>
+            </a:endParaRPr>
+          </a:p>
+        </p:txBody>
+      </p:sp>
       <p:cxnSp>
         <p:nvCxnSpPr>
-          <p:cNvPr id="11" name="Straight Arrow Connector 10"/>
+          <p:cNvPr id="12" name="Straight Arrow Connector 11"/>
           <p:cNvCxnSpPr/>
           <p:nvPr/>
         </p:nvCxnSpPr>
         <p:spPr>
-          <a:xfrm flipH="1">
-            <a:off x="5541818" y="3422071"/>
-            <a:ext cx="3200401" cy="0"/>
+          <a:xfrm flipV="1">
+            <a:off x="6567055" y="2923304"/>
+            <a:ext cx="3001328" cy="263242"/>
           </a:xfrm>
           <a:prstGeom prst="straightConnector1">
             <a:avLst/>
           </a:prstGeom>
-          <a:ln>
+          <a:ln w="38100">
+            <a:solidFill>
+              <a:schemeClr val="tx1"/>
+            </a:solidFill>
+            <a:headEnd type="triangle"/>
             <a:tailEnd type="triangle"/>
           </a:ln>
         </p:spPr>
@@ -3027,6 +4123,43 @@
           </a:fontRef>
         </p:style>
       </p:cxnSp>
+    </p:spTree>
+    <p:extLst>
+      <p:ext uri="{BB962C8B-B14F-4D97-AF65-F5344CB8AC3E}">
+        <p14:creationId xmlns:p14="http://schemas.microsoft.com/office/powerpoint/2010/main" val="1942467529"/>
+      </p:ext>
+    </p:extLst>
+  </p:cSld>
+  <p:clrMapOvr>
+    <a:masterClrMapping/>
+  </p:clrMapOvr>
+  <p:timing>
+    <p:tnLst>
+      <p:par>
+        <p:cTn id="1" dur="indefinite" restart="never" nodeType="tmRoot"/>
+      </p:par>
+    </p:tnLst>
+  </p:timing>
+</p:sld>
+</file>
+
+<file path=ppt/slides/slide4.xml><?xml version="1.0" encoding="utf-8"?>
+<p:sld xmlns:a="http://schemas.openxmlformats.org/drawingml/2006/main" xmlns:r="http://schemas.openxmlformats.org/officeDocument/2006/relationships" xmlns:p="http://schemas.openxmlformats.org/presentationml/2006/main">
+  <p:cSld>
+    <p:spTree>
+      <p:nvGrpSpPr>
+        <p:cNvPr id="1" name=""/>
+        <p:cNvGrpSpPr/>
+        <p:nvPr/>
+      </p:nvGrpSpPr>
+      <p:grpSpPr>
+        <a:xfrm>
+          <a:off x="0" y="0"/>
+          <a:ext cx="0" cy="0"/>
+          <a:chOff x="0" y="0"/>
+          <a:chExt cx="0" cy="0"/>
+        </a:xfrm>
+      </p:grpSpPr>
       <p:sp>
         <p:nvSpPr>
           <p:cNvPr id="13" name="TextBox 12"/>
@@ -3035,8 +4168,8 @@
         </p:nvSpPr>
         <p:spPr>
           <a:xfrm>
-            <a:off x="8742218" y="3422071"/>
-            <a:ext cx="3311237" cy="526474"/>
+            <a:off x="8922327" y="2923304"/>
+            <a:ext cx="2923310" cy="369332"/>
           </a:xfrm>
           <a:prstGeom prst="rect">
             <a:avLst/>
@@ -3049,69 +4182,860 @@
           </a:bodyPr>
           <a:lstStyle/>
           <a:p>
+            <a:r>
+              <a:rPr lang="en-US" dirty="0" smtClean="0"/>
+              <a:t>.</a:t>
+            </a:r>
             <a:endParaRPr lang="en-US" dirty="0"/>
           </a:p>
         </p:txBody>
       </p:sp>
-      <p:sp>
-        <p:nvSpPr>
-          <p:cNvPr id="15" name="TextBox 14"/>
-          <p:cNvSpPr txBox="1"/>
+      <p:pic>
+        <p:nvPicPr>
+          <p:cNvPr id="3" name="Picture 2"/>
+          <p:cNvPicPr>
+            <a:picLocks noChangeAspect="1"/>
+          </p:cNvPicPr>
           <p:nvPr/>
-        </p:nvSpPr>
+        </p:nvPicPr>
+        <p:blipFill>
+          <a:blip r:embed="rId3">
+            <a:extLst>
+              <a:ext uri="{28A0092B-C50C-407E-A947-70E740481C1C}">
+                <a14:useLocalDpi xmlns:a14="http://schemas.microsoft.com/office/drawing/2010/main" val="0"/>
+              </a:ext>
+            </a:extLst>
+          </a:blip>
+          <a:stretch>
+            <a:fillRect/>
+          </a:stretch>
+        </p:blipFill>
         <p:spPr>
           <a:xfrm>
-            <a:off x="8790709" y="3209881"/>
-            <a:ext cx="3214255" cy="1477328"/>
+            <a:off x="128051" y="318655"/>
+            <a:ext cx="8794276" cy="6363600"/>
           </a:xfrm>
           <a:prstGeom prst="rect">
             <a:avLst/>
           </a:prstGeom>
-          <a:noFill/>
-          <a:ln>
-            <a:solidFill>
-              <a:schemeClr val="tx1"/>
-            </a:solidFill>
-          </a:ln>
         </p:spPr>
-        <p:txBody>
-          <a:bodyPr wrap="square" rtlCol="0">
-            <a:spAutoFit/>
-          </a:bodyPr>
-          <a:lstStyle/>
-          <a:p>
-            <a:pPr marL="342900" indent="-342900">
-              <a:buAutoNum type="arabicPeriod"/>
-            </a:pPr>
-            <a:r>
-              <a:rPr lang="en-US" dirty="0" smtClean="0"/>
-              <a:t>Before click return, Input will disable</a:t>
-            </a:r>
-          </a:p>
-          <a:p>
-            <a:pPr marL="342900" indent="-342900">
-              <a:buAutoNum type="arabicPeriod"/>
-            </a:pPr>
-            <a:r>
-              <a:rPr lang="en-US" dirty="0" smtClean="0"/>
-              <a:t>After click return, Input will enable to select date.</a:t>
-            </a:r>
-          </a:p>
-          <a:p>
-            <a:endParaRPr lang="en-US" dirty="0"/>
+      </p:pic>
+      <p:sp>
+        <p:nvSpPr>
+          <p:cNvPr id="5" name="Rectangular Callout 4"/>
+          <p:cNvSpPr/>
+          <p:nvPr/>
+        </p:nvSpPr>
+        <p:spPr>
+          <a:xfrm flipH="1">
+            <a:off x="8922326" y="1801086"/>
+            <a:ext cx="3172691" cy="1122218"/>
+          </a:xfrm>
+          <a:prstGeom prst="wedgeRectCallout">
+            <a:avLst>
+              <a:gd name="adj1" fmla="val 109065"/>
+              <a:gd name="adj2" fmla="val -4532"/>
+            </a:avLst>
+          </a:prstGeom>
+          <a:solidFill>
+            <a:schemeClr val="bg1"/>
+          </a:solidFill>
+        </p:spPr>
+        <p:style>
+          <a:lnRef idx="2">
+            <a:schemeClr val="accent1">
+              <a:shade val="50000"/>
+            </a:schemeClr>
+          </a:lnRef>
+          <a:fillRef idx="1">
+            <a:schemeClr val="accent1"/>
+          </a:fillRef>
+          <a:effectRef idx="0">
+            <a:schemeClr val="accent1"/>
+          </a:effectRef>
+          <a:fontRef idx="minor">
+            <a:schemeClr val="lt1"/>
+          </a:fontRef>
+        </p:style>
+        <p:txBody>
+          <a:bodyPr rtlCol="0" anchor="ctr"/>
+          <a:lstStyle/>
+          <a:p>
+            <a:pPr algn="ctr"/>
+            <a:r>
+              <a:rPr lang="en-US" dirty="0" smtClean="0">
+                <a:solidFill>
+                  <a:schemeClr val="tx1"/>
+                </a:solidFill>
+              </a:rPr>
+              <a:t>For example user choose 30</a:t>
+            </a:r>
+            <a:endParaRPr lang="en-US" dirty="0">
+              <a:solidFill>
+                <a:schemeClr val="tx1"/>
+              </a:solidFill>
+            </a:endParaRPr>
           </a:p>
         </p:txBody>
       </p:sp>
     </p:spTree>
     <p:extLst>
       <p:ext uri="{BB962C8B-B14F-4D97-AF65-F5344CB8AC3E}">
-        <p14:creationId xmlns:p14="http://schemas.microsoft.com/office/powerpoint/2010/main" val="3705910491"/>
+        <p14:creationId xmlns:p14="http://schemas.microsoft.com/office/powerpoint/2010/main" val="334882038"/>
       </p:ext>
     </p:extLst>
   </p:cSld>
   <p:clrMapOvr>
     <a:masterClrMapping/>
   </p:clrMapOvr>
+  <p:timing>
+    <p:tnLst>
+      <p:par>
+        <p:cTn id="1" dur="indefinite" restart="never" nodeType="tmRoot"/>
+      </p:par>
+    </p:tnLst>
+  </p:timing>
+</p:sld>
+</file>
+
+<file path=ppt/slides/slide5.xml><?xml version="1.0" encoding="utf-8"?>
+<p:sld xmlns:a="http://schemas.openxmlformats.org/drawingml/2006/main" xmlns:r="http://schemas.openxmlformats.org/officeDocument/2006/relationships" xmlns:p="http://schemas.openxmlformats.org/presentationml/2006/main">
+  <p:cSld>
+    <p:spTree>
+      <p:nvGrpSpPr>
+        <p:cNvPr id="1" name=""/>
+        <p:cNvGrpSpPr/>
+        <p:nvPr/>
+      </p:nvGrpSpPr>
+      <p:grpSpPr>
+        <a:xfrm>
+          <a:off x="0" y="0"/>
+          <a:ext cx="0" cy="0"/>
+          <a:chOff x="0" y="0"/>
+          <a:chExt cx="0" cy="0"/>
+        </a:xfrm>
+      </p:grpSpPr>
+      <p:sp>
+        <p:nvSpPr>
+          <p:cNvPr id="13" name="TextBox 12"/>
+          <p:cNvSpPr txBox="1"/>
+          <p:nvPr/>
+        </p:nvSpPr>
+        <p:spPr>
+          <a:xfrm>
+            <a:off x="8922327" y="2923304"/>
+            <a:ext cx="2923310" cy="369332"/>
+          </a:xfrm>
+          <a:prstGeom prst="rect">
+            <a:avLst/>
+          </a:prstGeom>
+          <a:noFill/>
+        </p:spPr>
+        <p:txBody>
+          <a:bodyPr wrap="square" rtlCol="0">
+            <a:spAutoFit/>
+          </a:bodyPr>
+          <a:lstStyle/>
+          <a:p>
+            <a:r>
+              <a:rPr lang="en-US" dirty="0" smtClean="0"/>
+              <a:t>.</a:t>
+            </a:r>
+            <a:endParaRPr lang="en-US" dirty="0"/>
+          </a:p>
+        </p:txBody>
+      </p:sp>
+      <p:pic>
+        <p:nvPicPr>
+          <p:cNvPr id="2" name="Picture 1"/>
+          <p:cNvPicPr>
+            <a:picLocks noChangeAspect="1"/>
+          </p:cNvPicPr>
+          <p:nvPr/>
+        </p:nvPicPr>
+        <p:blipFill>
+          <a:blip r:embed="rId2">
+            <a:extLst>
+              <a:ext uri="{28A0092B-C50C-407E-A947-70E740481C1C}">
+                <a14:useLocalDpi xmlns:a14="http://schemas.microsoft.com/office/drawing/2010/main" val="0"/>
+              </a:ext>
+            </a:extLst>
+          </a:blip>
+          <a:stretch>
+            <a:fillRect/>
+          </a:stretch>
+        </p:blipFill>
+        <p:spPr>
+          <a:xfrm>
+            <a:off x="214744" y="245694"/>
+            <a:ext cx="9445338" cy="6224380"/>
+          </a:xfrm>
+          <a:prstGeom prst="rect">
+            <a:avLst/>
+          </a:prstGeom>
+        </p:spPr>
+      </p:pic>
+      <p:sp>
+        <p:nvSpPr>
+          <p:cNvPr id="6" name="Rectangular Callout 5"/>
+          <p:cNvSpPr/>
+          <p:nvPr/>
+        </p:nvSpPr>
+        <p:spPr>
+          <a:xfrm>
+            <a:off x="9854046" y="2687781"/>
+            <a:ext cx="2337953" cy="2024945"/>
+          </a:xfrm>
+          <a:prstGeom prst="wedgeRectCallout">
+            <a:avLst>
+              <a:gd name="adj1" fmla="val -194854"/>
+              <a:gd name="adj2" fmla="val 21343"/>
+            </a:avLst>
+          </a:prstGeom>
+          <a:solidFill>
+            <a:schemeClr val="bg1"/>
+          </a:solidFill>
+        </p:spPr>
+        <p:style>
+          <a:lnRef idx="2">
+            <a:schemeClr val="accent1">
+              <a:shade val="50000"/>
+            </a:schemeClr>
+          </a:lnRef>
+          <a:fillRef idx="1">
+            <a:schemeClr val="accent1"/>
+          </a:fillRef>
+          <a:effectRef idx="0">
+            <a:schemeClr val="accent1"/>
+          </a:effectRef>
+          <a:fontRef idx="minor">
+            <a:schemeClr val="lt1"/>
+          </a:fontRef>
+        </p:style>
+        <p:txBody>
+          <a:bodyPr rtlCol="0" anchor="ctr"/>
+          <a:lstStyle/>
+          <a:p>
+            <a:endParaRPr lang="en-US" dirty="0">
+              <a:solidFill>
+                <a:schemeClr val="tx1"/>
+              </a:solidFill>
+            </a:endParaRPr>
+          </a:p>
+          <a:p>
+            <a:pPr marL="342900" indent="-342900">
+              <a:buAutoNum type="arabicPeriod"/>
+            </a:pPr>
+            <a:r>
+              <a:rPr lang="en-US" dirty="0">
+                <a:solidFill>
+                  <a:schemeClr val="tx1"/>
+                </a:solidFill>
+              </a:rPr>
+              <a:t>If </a:t>
+            </a:r>
+            <a:r>
+              <a:rPr lang="en-US" dirty="0" smtClean="0">
+                <a:solidFill>
+                  <a:schemeClr val="tx1"/>
+                </a:solidFill>
+              </a:rPr>
+              <a:t>user </a:t>
+            </a:r>
+            <a:r>
+              <a:rPr lang="en-US" dirty="0">
+                <a:solidFill>
+                  <a:schemeClr val="tx1"/>
+                </a:solidFill>
+              </a:rPr>
+              <a:t>check return, so input return will </a:t>
+            </a:r>
+            <a:r>
+              <a:rPr lang="en-US" dirty="0" smtClean="0">
+                <a:solidFill>
+                  <a:schemeClr val="tx1"/>
+                </a:solidFill>
+              </a:rPr>
+              <a:t>enable </a:t>
+            </a:r>
+            <a:r>
+              <a:rPr lang="en-US" dirty="0">
+                <a:solidFill>
+                  <a:schemeClr val="tx1"/>
+                </a:solidFill>
+              </a:rPr>
+              <a:t>to fill date of return</a:t>
+            </a:r>
+            <a:r>
+              <a:rPr lang="en-US" dirty="0" smtClean="0">
+                <a:solidFill>
+                  <a:schemeClr val="tx1"/>
+                </a:solidFill>
+              </a:rPr>
+              <a:t>.</a:t>
+            </a:r>
+          </a:p>
+          <a:p>
+            <a:pPr marL="342900" indent="-342900">
+              <a:buAutoNum type="arabicPeriod"/>
+            </a:pPr>
+            <a:endParaRPr lang="en-US" dirty="0">
+              <a:solidFill>
+                <a:schemeClr val="tx1"/>
+              </a:solidFill>
+            </a:endParaRPr>
+          </a:p>
+        </p:txBody>
+      </p:sp>
+    </p:spTree>
+    <p:extLst>
+      <p:ext uri="{BB962C8B-B14F-4D97-AF65-F5344CB8AC3E}">
+        <p14:creationId xmlns:p14="http://schemas.microsoft.com/office/powerpoint/2010/main" val="2421984046"/>
+      </p:ext>
+    </p:extLst>
+  </p:cSld>
+  <p:clrMapOvr>
+    <a:masterClrMapping/>
+  </p:clrMapOvr>
+  <p:timing>
+    <p:tnLst>
+      <p:par>
+        <p:cTn id="1" dur="indefinite" restart="never" nodeType="tmRoot"/>
+      </p:par>
+    </p:tnLst>
+  </p:timing>
+</p:sld>
+</file>
+
+<file path=ppt/slides/slide6.xml><?xml version="1.0" encoding="utf-8"?>
+<p:sld xmlns:a="http://schemas.openxmlformats.org/drawingml/2006/main" xmlns:r="http://schemas.openxmlformats.org/officeDocument/2006/relationships" xmlns:p="http://schemas.openxmlformats.org/presentationml/2006/main">
+  <p:cSld>
+    <p:spTree>
+      <p:nvGrpSpPr>
+        <p:cNvPr id="1" name=""/>
+        <p:cNvGrpSpPr/>
+        <p:nvPr/>
+      </p:nvGrpSpPr>
+      <p:grpSpPr>
+        <a:xfrm>
+          <a:off x="0" y="0"/>
+          <a:ext cx="0" cy="0"/>
+          <a:chOff x="0" y="0"/>
+          <a:chExt cx="0" cy="0"/>
+        </a:xfrm>
+      </p:grpSpPr>
+      <p:sp>
+        <p:nvSpPr>
+          <p:cNvPr id="13" name="TextBox 12"/>
+          <p:cNvSpPr txBox="1"/>
+          <p:nvPr/>
+        </p:nvSpPr>
+        <p:spPr>
+          <a:xfrm>
+            <a:off x="8922327" y="2923304"/>
+            <a:ext cx="2923310" cy="369332"/>
+          </a:xfrm>
+          <a:prstGeom prst="rect">
+            <a:avLst/>
+          </a:prstGeom>
+          <a:noFill/>
+        </p:spPr>
+        <p:txBody>
+          <a:bodyPr wrap="square" rtlCol="0">
+            <a:spAutoFit/>
+          </a:bodyPr>
+          <a:lstStyle/>
+          <a:p>
+            <a:r>
+              <a:rPr lang="en-US" dirty="0" smtClean="0"/>
+              <a:t>.</a:t>
+            </a:r>
+            <a:endParaRPr lang="en-US" dirty="0"/>
+          </a:p>
+        </p:txBody>
+      </p:sp>
+      <p:pic>
+        <p:nvPicPr>
+          <p:cNvPr id="3" name="Picture 2"/>
+          <p:cNvPicPr>
+            <a:picLocks noChangeAspect="1"/>
+          </p:cNvPicPr>
+          <p:nvPr/>
+        </p:nvPicPr>
+        <p:blipFill>
+          <a:blip r:embed="rId2">
+            <a:extLst>
+              <a:ext uri="{28A0092B-C50C-407E-A947-70E740481C1C}">
+                <a14:useLocalDpi xmlns:a14="http://schemas.microsoft.com/office/drawing/2010/main" val="0"/>
+              </a:ext>
+            </a:extLst>
+          </a:blip>
+          <a:stretch>
+            <a:fillRect/>
+          </a:stretch>
+        </p:blipFill>
+        <p:spPr>
+          <a:xfrm>
+            <a:off x="245586" y="263236"/>
+            <a:ext cx="9442948" cy="6377146"/>
+          </a:xfrm>
+          <a:prstGeom prst="rect">
+            <a:avLst/>
+          </a:prstGeom>
+        </p:spPr>
+      </p:pic>
+      <p:sp>
+        <p:nvSpPr>
+          <p:cNvPr id="6" name="Rectangular Callout 5"/>
+          <p:cNvSpPr/>
+          <p:nvPr/>
+        </p:nvSpPr>
+        <p:spPr>
+          <a:xfrm>
+            <a:off x="9688534" y="1980104"/>
+            <a:ext cx="2503466" cy="1691351"/>
+          </a:xfrm>
+          <a:prstGeom prst="wedgeRectCallout">
+            <a:avLst>
+              <a:gd name="adj1" fmla="val -187391"/>
+              <a:gd name="adj2" fmla="val -26312"/>
+            </a:avLst>
+          </a:prstGeom>
+          <a:solidFill>
+            <a:schemeClr val="bg1"/>
+          </a:solidFill>
+        </p:spPr>
+        <p:style>
+          <a:lnRef idx="2">
+            <a:schemeClr val="accent1">
+              <a:shade val="50000"/>
+            </a:schemeClr>
+          </a:lnRef>
+          <a:fillRef idx="1">
+            <a:schemeClr val="accent1"/>
+          </a:fillRef>
+          <a:effectRef idx="0">
+            <a:schemeClr val="accent1"/>
+          </a:effectRef>
+          <a:fontRef idx="minor">
+            <a:schemeClr val="lt1"/>
+          </a:fontRef>
+        </p:style>
+        <p:txBody>
+          <a:bodyPr rtlCol="0" anchor="ctr"/>
+          <a:lstStyle/>
+          <a:p>
+            <a:pPr algn="just"/>
+            <a:r>
+              <a:rPr lang="en-US" dirty="0">
+                <a:solidFill>
+                  <a:schemeClr val="tx1"/>
+                </a:solidFill>
+              </a:rPr>
+              <a:t>This tab, It only display </a:t>
+            </a:r>
+            <a:r>
+              <a:rPr lang="en-US" dirty="0" smtClean="0">
+                <a:solidFill>
+                  <a:schemeClr val="tx1"/>
+                </a:solidFill>
+              </a:rPr>
+              <a:t>return </a:t>
+            </a:r>
+            <a:r>
+              <a:rPr lang="en-US" dirty="0">
+                <a:solidFill>
+                  <a:schemeClr val="tx1"/>
+                </a:solidFill>
+              </a:rPr>
+              <a:t>ticket and not available to display with </a:t>
+            </a:r>
+            <a:r>
+              <a:rPr lang="en-US" dirty="0" smtClean="0">
+                <a:solidFill>
+                  <a:schemeClr val="tx1"/>
+                </a:solidFill>
+              </a:rPr>
+              <a:t>departure </a:t>
+            </a:r>
+            <a:r>
+              <a:rPr lang="en-US" dirty="0">
+                <a:solidFill>
+                  <a:schemeClr val="tx1"/>
+                </a:solidFill>
+              </a:rPr>
+              <a:t>ticket </a:t>
+            </a:r>
+          </a:p>
+        </p:txBody>
+      </p:sp>
+      <p:sp>
+        <p:nvSpPr>
+          <p:cNvPr id="7" name="Rectangular Callout 6"/>
+          <p:cNvSpPr/>
+          <p:nvPr/>
+        </p:nvSpPr>
+        <p:spPr>
+          <a:xfrm>
+            <a:off x="96982" y="4929495"/>
+            <a:ext cx="1323315" cy="1122218"/>
+          </a:xfrm>
+          <a:prstGeom prst="wedgeRectCallout">
+            <a:avLst>
+              <a:gd name="adj1" fmla="val 74714"/>
+              <a:gd name="adj2" fmla="val -116878"/>
+            </a:avLst>
+          </a:prstGeom>
+          <a:solidFill>
+            <a:schemeClr val="bg1"/>
+          </a:solidFill>
+        </p:spPr>
+        <p:style>
+          <a:lnRef idx="2">
+            <a:schemeClr val="accent1">
+              <a:shade val="50000"/>
+            </a:schemeClr>
+          </a:lnRef>
+          <a:fillRef idx="1">
+            <a:schemeClr val="accent1"/>
+          </a:fillRef>
+          <a:effectRef idx="0">
+            <a:schemeClr val="accent1"/>
+          </a:effectRef>
+          <a:fontRef idx="minor">
+            <a:schemeClr val="lt1"/>
+          </a:fontRef>
+        </p:style>
+        <p:txBody>
+          <a:bodyPr rtlCol="0" anchor="ctr"/>
+          <a:lstStyle/>
+          <a:p>
+            <a:pPr algn="ctr"/>
+            <a:r>
+              <a:rPr lang="en-US" dirty="0" smtClean="0">
+                <a:solidFill>
+                  <a:schemeClr val="tx1"/>
+                </a:solidFill>
+              </a:rPr>
+              <a:t>User can </a:t>
+            </a:r>
+          </a:p>
+          <a:p>
+            <a:pPr marL="342900" indent="-342900" algn="ctr">
+              <a:buAutoNum type="arabicPeriod"/>
+            </a:pPr>
+            <a:r>
+              <a:rPr lang="en-US" dirty="0" smtClean="0">
+                <a:solidFill>
+                  <a:schemeClr val="tx1"/>
+                </a:solidFill>
+              </a:rPr>
+              <a:t>Edit</a:t>
+            </a:r>
+          </a:p>
+          <a:p>
+            <a:pPr marL="342900" indent="-342900" algn="ctr">
+              <a:buAutoNum type="arabicPeriod"/>
+            </a:pPr>
+            <a:r>
+              <a:rPr lang="en-US" dirty="0" smtClean="0">
+                <a:solidFill>
+                  <a:schemeClr val="tx1"/>
+                </a:solidFill>
+              </a:rPr>
+              <a:t>Delete</a:t>
+            </a:r>
+            <a:endParaRPr lang="en-US" dirty="0">
+              <a:solidFill>
+                <a:schemeClr val="tx1"/>
+              </a:solidFill>
+            </a:endParaRPr>
+          </a:p>
+        </p:txBody>
+      </p:sp>
+    </p:spTree>
+    <p:extLst>
+      <p:ext uri="{BB962C8B-B14F-4D97-AF65-F5344CB8AC3E}">
+        <p14:creationId xmlns:p14="http://schemas.microsoft.com/office/powerpoint/2010/main" val="487098"/>
+      </p:ext>
+    </p:extLst>
+  </p:cSld>
+  <p:clrMapOvr>
+    <a:masterClrMapping/>
+  </p:clrMapOvr>
+  <p:timing>
+    <p:tnLst>
+      <p:par>
+        <p:cTn id="1" dur="indefinite" restart="never" nodeType="tmRoot"/>
+      </p:par>
+    </p:tnLst>
+  </p:timing>
+</p:sld>
+</file>
+
+<file path=ppt/slides/slide7.xml><?xml version="1.0" encoding="utf-8"?>
+<p:sld xmlns:a="http://schemas.openxmlformats.org/drawingml/2006/main" xmlns:r="http://schemas.openxmlformats.org/officeDocument/2006/relationships" xmlns:p="http://schemas.openxmlformats.org/presentationml/2006/main">
+  <p:cSld>
+    <p:spTree>
+      <p:nvGrpSpPr>
+        <p:cNvPr id="1" name=""/>
+        <p:cNvGrpSpPr/>
+        <p:nvPr/>
+      </p:nvGrpSpPr>
+      <p:grpSpPr>
+        <a:xfrm>
+          <a:off x="0" y="0"/>
+          <a:ext cx="0" cy="0"/>
+          <a:chOff x="0" y="0"/>
+          <a:chExt cx="0" cy="0"/>
+        </a:xfrm>
+      </p:grpSpPr>
+      <p:sp>
+        <p:nvSpPr>
+          <p:cNvPr id="13" name="TextBox 12"/>
+          <p:cNvSpPr txBox="1"/>
+          <p:nvPr/>
+        </p:nvSpPr>
+        <p:spPr>
+          <a:xfrm>
+            <a:off x="8922327" y="2923304"/>
+            <a:ext cx="2923310" cy="369332"/>
+          </a:xfrm>
+          <a:prstGeom prst="rect">
+            <a:avLst/>
+          </a:prstGeom>
+          <a:noFill/>
+        </p:spPr>
+        <p:txBody>
+          <a:bodyPr wrap="square" rtlCol="0">
+            <a:spAutoFit/>
+          </a:bodyPr>
+          <a:lstStyle/>
+          <a:p>
+            <a:r>
+              <a:rPr lang="en-US" dirty="0" smtClean="0"/>
+              <a:t>.</a:t>
+            </a:r>
+            <a:endParaRPr lang="en-US" dirty="0"/>
+          </a:p>
+        </p:txBody>
+      </p:sp>
+      <p:pic>
+        <p:nvPicPr>
+          <p:cNvPr id="3" name="Picture 2"/>
+          <p:cNvPicPr>
+            <a:picLocks noChangeAspect="1"/>
+          </p:cNvPicPr>
+          <p:nvPr/>
+        </p:nvPicPr>
+        <p:blipFill>
+          <a:blip r:embed="rId2">
+            <a:extLst>
+              <a:ext uri="{28A0092B-C50C-407E-A947-70E740481C1C}">
+                <a14:useLocalDpi xmlns:a14="http://schemas.microsoft.com/office/drawing/2010/main" val="0"/>
+              </a:ext>
+            </a:extLst>
+          </a:blip>
+          <a:stretch>
+            <a:fillRect/>
+          </a:stretch>
+        </p:blipFill>
+        <p:spPr>
+          <a:xfrm>
+            <a:off x="245586" y="263236"/>
+            <a:ext cx="9442948" cy="6377146"/>
+          </a:xfrm>
+          <a:prstGeom prst="rect">
+            <a:avLst/>
+          </a:prstGeom>
+        </p:spPr>
+      </p:pic>
+      <p:sp>
+        <p:nvSpPr>
+          <p:cNvPr id="6" name="Rectangular Callout 5"/>
+          <p:cNvSpPr/>
+          <p:nvPr/>
+        </p:nvSpPr>
+        <p:spPr>
+          <a:xfrm>
+            <a:off x="9688534" y="1980104"/>
+            <a:ext cx="2503466" cy="1691351"/>
+          </a:xfrm>
+          <a:prstGeom prst="wedgeRectCallout">
+            <a:avLst>
+              <a:gd name="adj1" fmla="val -187391"/>
+              <a:gd name="adj2" fmla="val -26312"/>
+            </a:avLst>
+          </a:prstGeom>
+          <a:solidFill>
+            <a:schemeClr val="bg1"/>
+          </a:solidFill>
+        </p:spPr>
+        <p:style>
+          <a:lnRef idx="2">
+            <a:schemeClr val="accent1">
+              <a:shade val="50000"/>
+            </a:schemeClr>
+          </a:lnRef>
+          <a:fillRef idx="1">
+            <a:schemeClr val="accent1"/>
+          </a:fillRef>
+          <a:effectRef idx="0">
+            <a:schemeClr val="accent1"/>
+          </a:effectRef>
+          <a:fontRef idx="minor">
+            <a:schemeClr val="lt1"/>
+          </a:fontRef>
+        </p:style>
+        <p:txBody>
+          <a:bodyPr rtlCol="0" anchor="ctr"/>
+          <a:lstStyle/>
+          <a:p>
+            <a:pPr algn="just"/>
+            <a:r>
+              <a:rPr lang="en-US" dirty="0">
+                <a:solidFill>
+                  <a:schemeClr val="tx1"/>
+                </a:solidFill>
+              </a:rPr>
+              <a:t>This tab, It only display </a:t>
+            </a:r>
+            <a:r>
+              <a:rPr lang="en-US" dirty="0" smtClean="0">
+                <a:solidFill>
+                  <a:schemeClr val="tx1"/>
+                </a:solidFill>
+              </a:rPr>
+              <a:t>return </a:t>
+            </a:r>
+            <a:r>
+              <a:rPr lang="en-US" dirty="0">
+                <a:solidFill>
+                  <a:schemeClr val="tx1"/>
+                </a:solidFill>
+              </a:rPr>
+              <a:t>ticket and not available to display with </a:t>
+            </a:r>
+            <a:r>
+              <a:rPr lang="en-US" dirty="0" smtClean="0">
+                <a:solidFill>
+                  <a:schemeClr val="tx1"/>
+                </a:solidFill>
+              </a:rPr>
+              <a:t>departure </a:t>
+            </a:r>
+            <a:r>
+              <a:rPr lang="en-US" dirty="0">
+                <a:solidFill>
+                  <a:schemeClr val="tx1"/>
+                </a:solidFill>
+              </a:rPr>
+              <a:t>ticket </a:t>
+            </a:r>
+          </a:p>
+        </p:txBody>
+      </p:sp>
+      <p:sp>
+        <p:nvSpPr>
+          <p:cNvPr id="7" name="Rectangular Callout 6"/>
+          <p:cNvSpPr/>
+          <p:nvPr/>
+        </p:nvSpPr>
+        <p:spPr>
+          <a:xfrm>
+            <a:off x="96982" y="4929495"/>
+            <a:ext cx="1323315" cy="1122218"/>
+          </a:xfrm>
+          <a:prstGeom prst="wedgeRectCallout">
+            <a:avLst>
+              <a:gd name="adj1" fmla="val 74714"/>
+              <a:gd name="adj2" fmla="val -116878"/>
+            </a:avLst>
+          </a:prstGeom>
+          <a:solidFill>
+            <a:schemeClr val="bg1"/>
+          </a:solidFill>
+        </p:spPr>
+        <p:style>
+          <a:lnRef idx="2">
+            <a:schemeClr val="accent1">
+              <a:shade val="50000"/>
+            </a:schemeClr>
+          </a:lnRef>
+          <a:fillRef idx="1">
+            <a:schemeClr val="accent1"/>
+          </a:fillRef>
+          <a:effectRef idx="0">
+            <a:schemeClr val="accent1"/>
+          </a:effectRef>
+          <a:fontRef idx="minor">
+            <a:schemeClr val="lt1"/>
+          </a:fontRef>
+        </p:style>
+        <p:txBody>
+          <a:bodyPr rtlCol="0" anchor="ctr"/>
+          <a:lstStyle/>
+          <a:p>
+            <a:pPr algn="ctr"/>
+            <a:r>
+              <a:rPr lang="en-US" dirty="0" smtClean="0">
+                <a:solidFill>
+                  <a:schemeClr val="tx1"/>
+                </a:solidFill>
+              </a:rPr>
+              <a:t>User can </a:t>
+            </a:r>
+          </a:p>
+          <a:p>
+            <a:pPr marL="342900" indent="-342900" algn="ctr">
+              <a:buAutoNum type="arabicPeriod"/>
+            </a:pPr>
+            <a:r>
+              <a:rPr lang="en-US" dirty="0" smtClean="0">
+                <a:solidFill>
+                  <a:schemeClr val="tx1"/>
+                </a:solidFill>
+              </a:rPr>
+              <a:t>Edit</a:t>
+            </a:r>
+          </a:p>
+          <a:p>
+            <a:pPr marL="342900" indent="-342900" algn="ctr">
+              <a:buAutoNum type="arabicPeriod"/>
+            </a:pPr>
+            <a:r>
+              <a:rPr lang="en-US" dirty="0" smtClean="0">
+                <a:solidFill>
+                  <a:schemeClr val="tx1"/>
+                </a:solidFill>
+              </a:rPr>
+              <a:t>Delete</a:t>
+            </a:r>
+            <a:endParaRPr lang="en-US" dirty="0">
+              <a:solidFill>
+                <a:schemeClr val="tx1"/>
+              </a:solidFill>
+            </a:endParaRPr>
+          </a:p>
+        </p:txBody>
+      </p:sp>
+    </p:spTree>
+    <p:extLst>
+      <p:ext uri="{BB962C8B-B14F-4D97-AF65-F5344CB8AC3E}">
+        <p14:creationId xmlns:p14="http://schemas.microsoft.com/office/powerpoint/2010/main" val="1753518261"/>
+      </p:ext>
+    </p:extLst>
+  </p:cSld>
+  <p:clrMapOvr>
+    <a:masterClrMapping/>
+  </p:clrMapOvr>
+  <p:timing>
+    <p:tnLst>
+      <p:par>
+        <p:cTn id="1" dur="indefinite" restart="never" nodeType="tmRoot"/>
+      </p:par>
+    </p:tnLst>
+  </p:timing>
 </p:sld>
 </file>
 
@@ -3374,4 +5298,265 @@
     </a:ext>
   </a:extLst>
 </a:theme>
+</file>
+
+<file path=ppt/theme/theme2.xml><?xml version="1.0" encoding="utf-8"?>
+<a:theme xmlns:a="http://schemas.openxmlformats.org/drawingml/2006/main" name="Office Theme">
+  <a:themeElements>
+    <a:clrScheme name="Office">
+      <a:dk1>
+        <a:sysClr val="windowText" lastClr="000000"/>
+      </a:dk1>
+      <a:lt1>
+        <a:sysClr val="window" lastClr="FFFFFF"/>
+      </a:lt1>
+      <a:dk2>
+        <a:srgbClr val="44546A"/>
+      </a:dk2>
+      <a:lt2>
+        <a:srgbClr val="E7E6E6"/>
+      </a:lt2>
+      <a:accent1>
+        <a:srgbClr val="5B9BD5"/>
+      </a:accent1>
+      <a:accent2>
+        <a:srgbClr val="ED7D31"/>
+      </a:accent2>
+      <a:accent3>
+        <a:srgbClr val="A5A5A5"/>
+      </a:accent3>
+      <a:accent4>
+        <a:srgbClr val="FFC000"/>
+      </a:accent4>
+      <a:accent5>
+        <a:srgbClr val="4472C4"/>
+      </a:accent5>
+      <a:accent6>
+        <a:srgbClr val="70AD47"/>
+      </a:accent6>
+      <a:hlink>
+        <a:srgbClr val="0563C1"/>
+      </a:hlink>
+      <a:folHlink>
+        <a:srgbClr val="954F72"/>
+      </a:folHlink>
+    </a:clrScheme>
+    <a:fontScheme name="Office">
+      <a:majorFont>
+        <a:latin typeface="Calibri Light" panose="020F0302020204030204"/>
+        <a:ea typeface=""/>
+        <a:cs typeface=""/>
+        <a:font script="Jpan" typeface="游ゴシック Light"/>
+        <a:font script="Hang" typeface="맑은 고딕"/>
+        <a:font script="Hans" typeface="等线 Light"/>
+        <a:font script="Hant" typeface="新細明體"/>
+        <a:font script="Arab" typeface="Times New Roman"/>
+        <a:font script="Hebr" typeface="Times New Roman"/>
+        <a:font script="Thai" typeface="Angsana New"/>
+        <a:font script="Ethi" typeface="Nyala"/>
+        <a:font script="Beng" typeface="Vrinda"/>
+        <a:font script="Gujr" typeface="Shruti"/>
+        <a:font script="Khmr" typeface="MoolBoran"/>
+        <a:font script="Knda" typeface="Tunga"/>
+        <a:font script="Guru" typeface="Raavi"/>
+        <a:font script="Cans" typeface="Euphemia"/>
+        <a:font script="Cher" typeface="Plantagenet Cherokee"/>
+        <a:font script="Yiii" typeface="Microsoft Yi Baiti"/>
+        <a:font script="Tibt" typeface="Microsoft Himalaya"/>
+        <a:font script="Thaa" typeface="MV Boli"/>
+        <a:font script="Deva" typeface="Mangal"/>
+        <a:font script="Telu" typeface="Gautami"/>
+        <a:font script="Taml" typeface="Latha"/>
+        <a:font script="Syrc" typeface="Estrangelo Edessa"/>
+        <a:font script="Orya" typeface="Kalinga"/>
+        <a:font script="Mlym" typeface="Kartika"/>
+        <a:font script="Laoo" typeface="DokChampa"/>
+        <a:font script="Sinh" typeface="Iskoola Pota"/>
+        <a:font script="Mong" typeface="Mongolian Baiti"/>
+        <a:font script="Viet" typeface="Times New Roman"/>
+        <a:font script="Uigh" typeface="Microsoft Uighur"/>
+        <a:font script="Geor" typeface="Sylfaen"/>
+      </a:majorFont>
+      <a:minorFont>
+        <a:latin typeface="Calibri" panose="020F0502020204030204"/>
+        <a:ea typeface=""/>
+        <a:cs typeface=""/>
+        <a:font script="Jpan" typeface="游ゴシック"/>
+        <a:font script="Hang" typeface="맑은 고딕"/>
+        <a:font script="Hans" typeface="等线"/>
+        <a:font script="Hant" typeface="新細明體"/>
+        <a:font script="Arab" typeface="Arial"/>
+        <a:font script="Hebr" typeface="Arial"/>
+        <a:font script="Thai" typeface="Cordia New"/>
+        <a:font script="Ethi" typeface="Nyala"/>
+        <a:font script="Beng" typeface="Vrinda"/>
+        <a:font script="Gujr" typeface="Shruti"/>
+        <a:font script="Khmr" typeface="DaunPenh"/>
+        <a:font script="Knda" typeface="Tunga"/>
+        <a:font script="Guru" typeface="Raavi"/>
+        <a:font script="Cans" typeface="Euphemia"/>
+        <a:font script="Cher" typeface="Plantagenet Cherokee"/>
+        <a:font script="Yiii" typeface="Microsoft Yi Baiti"/>
+        <a:font script="Tibt" typeface="Microsoft Himalaya"/>
+        <a:font script="Thaa" typeface="MV Boli"/>
+        <a:font script="Deva" typeface="Mangal"/>
+        <a:font script="Telu" typeface="Gautami"/>
+        <a:font script="Taml" typeface="Latha"/>
+        <a:font script="Syrc" typeface="Estrangelo Edessa"/>
+        <a:font script="Orya" typeface="Kalinga"/>
+        <a:font script="Mlym" typeface="Kartika"/>
+        <a:font script="Laoo" typeface="DokChampa"/>
+        <a:font script="Sinh" typeface="Iskoola Pota"/>
+        <a:font script="Mong" typeface="Mongolian Baiti"/>
+        <a:font script="Viet" typeface="Arial"/>
+        <a:font script="Uigh" typeface="Microsoft Uighur"/>
+        <a:font script="Geor" typeface="Sylfaen"/>
+      </a:minorFont>
+    </a:fontScheme>
+    <a:fmtScheme name="Office">
+      <a:fillStyleLst>
+        <a:solidFill>
+          <a:schemeClr val="phClr"/>
+        </a:solidFill>
+        <a:gradFill rotWithShape="1">
+          <a:gsLst>
+            <a:gs pos="0">
+              <a:schemeClr val="phClr">
+                <a:lumMod val="110000"/>
+                <a:satMod val="105000"/>
+                <a:tint val="67000"/>
+              </a:schemeClr>
+            </a:gs>
+            <a:gs pos="50000">
+              <a:schemeClr val="phClr">
+                <a:lumMod val="105000"/>
+                <a:satMod val="103000"/>
+                <a:tint val="73000"/>
+              </a:schemeClr>
+            </a:gs>
+            <a:gs pos="100000">
+              <a:schemeClr val="phClr">
+                <a:lumMod val="105000"/>
+                <a:satMod val="109000"/>
+                <a:tint val="81000"/>
+              </a:schemeClr>
+            </a:gs>
+          </a:gsLst>
+          <a:lin ang="5400000" scaled="0"/>
+        </a:gradFill>
+        <a:gradFill rotWithShape="1">
+          <a:gsLst>
+            <a:gs pos="0">
+              <a:schemeClr val="phClr">
+                <a:satMod val="103000"/>
+                <a:lumMod val="102000"/>
+                <a:tint val="94000"/>
+              </a:schemeClr>
+            </a:gs>
+            <a:gs pos="50000">
+              <a:schemeClr val="phClr">
+                <a:satMod val="110000"/>
+                <a:lumMod val="100000"/>
+                <a:shade val="100000"/>
+              </a:schemeClr>
+            </a:gs>
+            <a:gs pos="100000">
+              <a:schemeClr val="phClr">
+                <a:lumMod val="99000"/>
+                <a:satMod val="120000"/>
+                <a:shade val="78000"/>
+              </a:schemeClr>
+            </a:gs>
+          </a:gsLst>
+          <a:lin ang="5400000" scaled="0"/>
+        </a:gradFill>
+      </a:fillStyleLst>
+      <a:lnStyleLst>
+        <a:ln w="6350" cap="flat" cmpd="sng" algn="ctr">
+          <a:solidFill>
+            <a:schemeClr val="phClr"/>
+          </a:solidFill>
+          <a:prstDash val="solid"/>
+          <a:miter lim="800000"/>
+        </a:ln>
+        <a:ln w="12700" cap="flat" cmpd="sng" algn="ctr">
+          <a:solidFill>
+            <a:schemeClr val="phClr"/>
+          </a:solidFill>
+          <a:prstDash val="solid"/>
+          <a:miter lim="800000"/>
+        </a:ln>
+        <a:ln w="19050" cap="flat" cmpd="sng" algn="ctr">
+          <a:solidFill>
+            <a:schemeClr val="phClr"/>
+          </a:solidFill>
+          <a:prstDash val="solid"/>
+          <a:miter lim="800000"/>
+        </a:ln>
+      </a:lnStyleLst>
+      <a:effectStyleLst>
+        <a:effectStyle>
+          <a:effectLst/>
+        </a:effectStyle>
+        <a:effectStyle>
+          <a:effectLst/>
+        </a:effectStyle>
+        <a:effectStyle>
+          <a:effectLst>
+            <a:outerShdw blurRad="57150" dist="19050" dir="5400000" algn="ctr" rotWithShape="0">
+              <a:srgbClr val="000000">
+                <a:alpha val="63000"/>
+              </a:srgbClr>
+            </a:outerShdw>
+          </a:effectLst>
+        </a:effectStyle>
+      </a:effectStyleLst>
+      <a:bgFillStyleLst>
+        <a:solidFill>
+          <a:schemeClr val="phClr"/>
+        </a:solidFill>
+        <a:solidFill>
+          <a:schemeClr val="phClr">
+            <a:tint val="95000"/>
+            <a:satMod val="170000"/>
+          </a:schemeClr>
+        </a:solidFill>
+        <a:gradFill rotWithShape="1">
+          <a:gsLst>
+            <a:gs pos="0">
+              <a:schemeClr val="phClr">
+                <a:tint val="93000"/>
+                <a:satMod val="150000"/>
+                <a:shade val="98000"/>
+                <a:lumMod val="102000"/>
+              </a:schemeClr>
+            </a:gs>
+            <a:gs pos="50000">
+              <a:schemeClr val="phClr">
+                <a:tint val="98000"/>
+                <a:satMod val="130000"/>
+                <a:shade val="90000"/>
+                <a:lumMod val="103000"/>
+              </a:schemeClr>
+            </a:gs>
+            <a:gs pos="100000">
+              <a:schemeClr val="phClr">
+                <a:shade val="63000"/>
+                <a:satMod val="120000"/>
+              </a:schemeClr>
+            </a:gs>
+          </a:gsLst>
+          <a:lin ang="5400000" scaled="0"/>
+        </a:gradFill>
+      </a:bgFillStyleLst>
+    </a:fmtScheme>
+  </a:themeElements>
+  <a:objectDefaults/>
+  <a:extraClrSchemeLst/>
+  <a:extLst>
+    <a:ext uri="{05A4C25C-085E-4340-85A3-A5531E510DB2}">
+      <thm15:themeFamily xmlns:thm15="http://schemas.microsoft.com/office/thememl/2012/main" name="Office Theme" id="{62F939B6-93AF-4DB8-9C6B-D6C7DFDC589F}" vid="{4A3C46E8-61CC-4603-A589-7422A47A8E4A}"/>
+    </a:ext>
+  </a:extLst>
+</a:theme>
 </file>